--- a/Leadership Summit 2021/Ice Breaking Activities/05 Fingerboard 5.pptx
+++ b/Leadership Summit 2021/Ice Breaking Activities/05 Fingerboard 5.pptx
@@ -5,40 +5,41 @@
     <p:sldMasterId id="2147483648" r:id="rId1"/>
   </p:sldMasterIdLst>
   <p:sldIdLst>
-    <p:sldId id="256" r:id="rId3"/>
-    <p:sldId id="257" r:id="rId4"/>
-    <p:sldId id="258" r:id="rId5"/>
-    <p:sldId id="259" r:id="rId6"/>
-    <p:sldId id="260" r:id="rId7"/>
-    <p:sldId id="261" r:id="rId8"/>
-    <p:sldId id="262" r:id="rId9"/>
-    <p:sldId id="263" r:id="rId10"/>
-    <p:sldId id="264" r:id="rId11"/>
-    <p:sldId id="265" r:id="rId12"/>
-    <p:sldId id="266" r:id="rId13"/>
-    <p:sldId id="267" r:id="rId14"/>
-    <p:sldId id="268" r:id="rId15"/>
-    <p:sldId id="269" r:id="rId16"/>
-    <p:sldId id="270" r:id="rId17"/>
-    <p:sldId id="271" r:id="rId18"/>
-    <p:sldId id="272" r:id="rId19"/>
-    <p:sldId id="273" r:id="rId20"/>
-    <p:sldId id="274" r:id="rId21"/>
-    <p:sldId id="275" r:id="rId22"/>
-    <p:sldId id="276" r:id="rId23"/>
-    <p:sldId id="293" r:id="rId24"/>
-    <p:sldId id="294" r:id="rId25"/>
-    <p:sldId id="295" r:id="rId26"/>
-    <p:sldId id="296" r:id="rId27"/>
-    <p:sldId id="297" r:id="rId28"/>
-    <p:sldId id="298" r:id="rId29"/>
-    <p:sldId id="300" r:id="rId30"/>
-    <p:sldId id="301" r:id="rId31"/>
-    <p:sldId id="302" r:id="rId32"/>
+    <p:sldId id="256" r:id="rId2"/>
+    <p:sldId id="257" r:id="rId3"/>
+    <p:sldId id="258" r:id="rId4"/>
+    <p:sldId id="259" r:id="rId5"/>
+    <p:sldId id="260" r:id="rId6"/>
+    <p:sldId id="261" r:id="rId7"/>
+    <p:sldId id="262" r:id="rId8"/>
+    <p:sldId id="263" r:id="rId9"/>
+    <p:sldId id="264" r:id="rId10"/>
+    <p:sldId id="265" r:id="rId11"/>
+    <p:sldId id="266" r:id="rId12"/>
+    <p:sldId id="267" r:id="rId13"/>
+    <p:sldId id="268" r:id="rId14"/>
+    <p:sldId id="269" r:id="rId15"/>
+    <p:sldId id="270" r:id="rId16"/>
+    <p:sldId id="271" r:id="rId17"/>
+    <p:sldId id="272" r:id="rId18"/>
+    <p:sldId id="273" r:id="rId19"/>
+    <p:sldId id="274" r:id="rId20"/>
+    <p:sldId id="275" r:id="rId21"/>
+    <p:sldId id="276" r:id="rId22"/>
+    <p:sldId id="293" r:id="rId23"/>
+    <p:sldId id="294" r:id="rId24"/>
+    <p:sldId id="295" r:id="rId25"/>
+    <p:sldId id="296" r:id="rId26"/>
+    <p:sldId id="297" r:id="rId27"/>
+    <p:sldId id="298" r:id="rId28"/>
+    <p:sldId id="300" r:id="rId29"/>
+    <p:sldId id="301" r:id="rId30"/>
+    <p:sldId id="302" r:id="rId31"/>
+    <p:sldId id="304" r:id="rId32"/>
     <p:sldId id="303" r:id="rId33"/>
-    <p:sldId id="277" r:id="rId34"/>
-    <p:sldId id="278" r:id="rId35"/>
-    <p:sldId id="279" r:id="rId36"/>
+    <p:sldId id="305" r:id="rId34"/>
+    <p:sldId id="277" r:id="rId35"/>
+    <p:sldId id="278" r:id="rId36"/>
     <p:sldId id="280" r:id="rId37"/>
     <p:sldId id="281" r:id="rId38"/>
     <p:sldId id="282" r:id="rId39"/>
@@ -327,6 +328,7 @@
           <a:p>
             <a:fld id="{530820CF-B880-4189-942D-D702A7CBA730}" type="datetimeFigureOut">
               <a:rPr lang="zh-CN" altLang="en-US" smtClean="0"/>
+              <a:t>2021/10/29</a:t>
             </a:fld>
             <a:endParaRPr lang="zh-CN" altLang="en-US"/>
           </a:p>
@@ -368,6 +370,7 @@
           <a:p>
             <a:fld id="{0C913308-F349-4B6D-A68A-DD1791B4A57B}" type="slidenum">
               <a:rPr lang="zh-CN" altLang="en-US" smtClean="0"/>
+              <a:t>‹#›</a:t>
             </a:fld>
             <a:endParaRPr lang="zh-CN" altLang="en-US"/>
           </a:p>
@@ -441,7 +444,6 @@
               <a:rPr lang="zh-CN" altLang="en-US" smtClean="0"/>
               <a:t>单击此处编辑母版文本样式</a:t>
             </a:r>
-            <a:endParaRPr lang="zh-CN" altLang="en-US" smtClean="0"/>
           </a:p>
           <a:p>
             <a:pPr lvl="1"/>
@@ -449,7 +451,6 @@
               <a:rPr lang="zh-CN" altLang="en-US" smtClean="0"/>
               <a:t>第二级</a:t>
             </a:r>
-            <a:endParaRPr lang="zh-CN" altLang="en-US" smtClean="0"/>
           </a:p>
           <a:p>
             <a:pPr lvl="2"/>
@@ -457,7 +458,6 @@
               <a:rPr lang="zh-CN" altLang="en-US" smtClean="0"/>
               <a:t>第三级</a:t>
             </a:r>
-            <a:endParaRPr lang="zh-CN" altLang="en-US" smtClean="0"/>
           </a:p>
           <a:p>
             <a:pPr lvl="3"/>
@@ -465,7 +465,6 @@
               <a:rPr lang="zh-CN" altLang="en-US" smtClean="0"/>
               <a:t>第四级</a:t>
             </a:r>
-            <a:endParaRPr lang="zh-CN" altLang="en-US" smtClean="0"/>
           </a:p>
           <a:p>
             <a:pPr lvl="4"/>
@@ -494,6 +493,7 @@
           <a:p>
             <a:fld id="{530820CF-B880-4189-942D-D702A7CBA730}" type="datetimeFigureOut">
               <a:rPr lang="zh-CN" altLang="en-US" smtClean="0"/>
+              <a:t>2021/10/29</a:t>
             </a:fld>
             <a:endParaRPr lang="zh-CN" altLang="en-US"/>
           </a:p>
@@ -535,6 +535,7 @@
           <a:p>
             <a:fld id="{0C913308-F349-4B6D-A68A-DD1791B4A57B}" type="slidenum">
               <a:rPr lang="zh-CN" altLang="en-US" smtClean="0"/>
+              <a:t>‹#›</a:t>
             </a:fld>
             <a:endParaRPr lang="zh-CN" altLang="en-US"/>
           </a:p>
@@ -618,7 +619,6 @@
               <a:rPr lang="zh-CN" altLang="en-US" smtClean="0"/>
               <a:t>单击此处编辑母版文本样式</a:t>
             </a:r>
-            <a:endParaRPr lang="zh-CN" altLang="en-US" smtClean="0"/>
           </a:p>
           <a:p>
             <a:pPr lvl="1"/>
@@ -626,7 +626,6 @@
               <a:rPr lang="zh-CN" altLang="en-US" smtClean="0"/>
               <a:t>第二级</a:t>
             </a:r>
-            <a:endParaRPr lang="zh-CN" altLang="en-US" smtClean="0"/>
           </a:p>
           <a:p>
             <a:pPr lvl="2"/>
@@ -634,7 +633,6 @@
               <a:rPr lang="zh-CN" altLang="en-US" smtClean="0"/>
               <a:t>第三级</a:t>
             </a:r>
-            <a:endParaRPr lang="zh-CN" altLang="en-US" smtClean="0"/>
           </a:p>
           <a:p>
             <a:pPr lvl="3"/>
@@ -642,7 +640,6 @@
               <a:rPr lang="zh-CN" altLang="en-US" smtClean="0"/>
               <a:t>第四级</a:t>
             </a:r>
-            <a:endParaRPr lang="zh-CN" altLang="en-US" smtClean="0"/>
           </a:p>
           <a:p>
             <a:pPr lvl="4"/>
@@ -671,6 +668,7 @@
           <a:p>
             <a:fld id="{530820CF-B880-4189-942D-D702A7CBA730}" type="datetimeFigureOut">
               <a:rPr lang="zh-CN" altLang="en-US" smtClean="0"/>
+              <a:t>2021/10/29</a:t>
             </a:fld>
             <a:endParaRPr lang="zh-CN" altLang="en-US"/>
           </a:p>
@@ -712,6 +710,7 @@
           <a:p>
             <a:fld id="{0C913308-F349-4B6D-A68A-DD1791B4A57B}" type="slidenum">
               <a:rPr lang="zh-CN" altLang="en-US" smtClean="0"/>
+              <a:t>‹#›</a:t>
             </a:fld>
             <a:endParaRPr lang="zh-CN" altLang="en-US"/>
           </a:p>
@@ -785,7 +784,6 @@
               <a:rPr lang="zh-CN" altLang="en-US" smtClean="0"/>
               <a:t>单击此处编辑母版文本样式</a:t>
             </a:r>
-            <a:endParaRPr lang="zh-CN" altLang="en-US" smtClean="0"/>
           </a:p>
           <a:p>
             <a:pPr lvl="1"/>
@@ -793,7 +791,6 @@
               <a:rPr lang="zh-CN" altLang="en-US" smtClean="0"/>
               <a:t>第二级</a:t>
             </a:r>
-            <a:endParaRPr lang="zh-CN" altLang="en-US" smtClean="0"/>
           </a:p>
           <a:p>
             <a:pPr lvl="2"/>
@@ -801,7 +798,6 @@
               <a:rPr lang="zh-CN" altLang="en-US" smtClean="0"/>
               <a:t>第三级</a:t>
             </a:r>
-            <a:endParaRPr lang="zh-CN" altLang="en-US" smtClean="0"/>
           </a:p>
           <a:p>
             <a:pPr lvl="3"/>
@@ -809,7 +805,6 @@
               <a:rPr lang="zh-CN" altLang="en-US" smtClean="0"/>
               <a:t>第四级</a:t>
             </a:r>
-            <a:endParaRPr lang="zh-CN" altLang="en-US" smtClean="0"/>
           </a:p>
           <a:p>
             <a:pPr lvl="4"/>
@@ -838,6 +833,7 @@
           <a:p>
             <a:fld id="{530820CF-B880-4189-942D-D702A7CBA730}" type="datetimeFigureOut">
               <a:rPr lang="zh-CN" altLang="en-US" smtClean="0"/>
+              <a:t>2021/10/29</a:t>
             </a:fld>
             <a:endParaRPr lang="zh-CN" altLang="en-US"/>
           </a:p>
@@ -879,6 +875,7 @@
           <a:p>
             <a:fld id="{0C913308-F349-4B6D-A68A-DD1791B4A57B}" type="slidenum">
               <a:rPr lang="zh-CN" altLang="en-US" smtClean="0"/>
+              <a:t>‹#›</a:t>
             </a:fld>
             <a:endParaRPr lang="zh-CN" altLang="en-US"/>
           </a:p>
@@ -1057,7 +1054,6 @@
               <a:rPr lang="zh-CN" altLang="en-US" smtClean="0"/>
               <a:t>单击此处编辑母版文本样式</a:t>
             </a:r>
-            <a:endParaRPr lang="zh-CN" altLang="en-US" smtClean="0"/>
           </a:p>
         </p:txBody>
       </p:sp>
@@ -1078,6 +1074,7 @@
           <a:p>
             <a:fld id="{530820CF-B880-4189-942D-D702A7CBA730}" type="datetimeFigureOut">
               <a:rPr lang="zh-CN" altLang="en-US" smtClean="0"/>
+              <a:t>2021/10/29</a:t>
             </a:fld>
             <a:endParaRPr lang="zh-CN" altLang="en-US"/>
           </a:p>
@@ -1119,6 +1116,7 @@
           <a:p>
             <a:fld id="{0C913308-F349-4B6D-A68A-DD1791B4A57B}" type="slidenum">
               <a:rPr lang="zh-CN" altLang="en-US" smtClean="0"/>
+              <a:t>‹#›</a:t>
             </a:fld>
             <a:endParaRPr lang="zh-CN" altLang="en-US"/>
           </a:p>
@@ -1225,7 +1223,6 @@
               <a:rPr lang="zh-CN" altLang="en-US" smtClean="0"/>
               <a:t>单击此处编辑母版文本样式</a:t>
             </a:r>
-            <a:endParaRPr lang="zh-CN" altLang="en-US" smtClean="0"/>
           </a:p>
           <a:p>
             <a:pPr lvl="1"/>
@@ -1233,7 +1230,6 @@
               <a:rPr lang="zh-CN" altLang="en-US" smtClean="0"/>
               <a:t>第二级</a:t>
             </a:r>
-            <a:endParaRPr lang="zh-CN" altLang="en-US" smtClean="0"/>
           </a:p>
           <a:p>
             <a:pPr lvl="2"/>
@@ -1241,7 +1237,6 @@
               <a:rPr lang="zh-CN" altLang="en-US" smtClean="0"/>
               <a:t>第三级</a:t>
             </a:r>
-            <a:endParaRPr lang="zh-CN" altLang="en-US" smtClean="0"/>
           </a:p>
           <a:p>
             <a:pPr lvl="3"/>
@@ -1249,7 +1244,6 @@
               <a:rPr lang="zh-CN" altLang="en-US" smtClean="0"/>
               <a:t>第四级</a:t>
             </a:r>
-            <a:endParaRPr lang="zh-CN" altLang="en-US" smtClean="0"/>
           </a:p>
           <a:p>
             <a:pPr lvl="4"/>
@@ -1314,7 +1308,6 @@
               <a:rPr lang="zh-CN" altLang="en-US" smtClean="0"/>
               <a:t>单击此处编辑母版文本样式</a:t>
             </a:r>
-            <a:endParaRPr lang="zh-CN" altLang="en-US" smtClean="0"/>
           </a:p>
           <a:p>
             <a:pPr lvl="1"/>
@@ -1322,7 +1315,6 @@
               <a:rPr lang="zh-CN" altLang="en-US" smtClean="0"/>
               <a:t>第二级</a:t>
             </a:r>
-            <a:endParaRPr lang="zh-CN" altLang="en-US" smtClean="0"/>
           </a:p>
           <a:p>
             <a:pPr lvl="2"/>
@@ -1330,7 +1322,6 @@
               <a:rPr lang="zh-CN" altLang="en-US" smtClean="0"/>
               <a:t>第三级</a:t>
             </a:r>
-            <a:endParaRPr lang="zh-CN" altLang="en-US" smtClean="0"/>
           </a:p>
           <a:p>
             <a:pPr lvl="3"/>
@@ -1338,7 +1329,6 @@
               <a:rPr lang="zh-CN" altLang="en-US" smtClean="0"/>
               <a:t>第四级</a:t>
             </a:r>
-            <a:endParaRPr lang="zh-CN" altLang="en-US" smtClean="0"/>
           </a:p>
           <a:p>
             <a:pPr lvl="4"/>
@@ -1367,6 +1357,7 @@
           <a:p>
             <a:fld id="{530820CF-B880-4189-942D-D702A7CBA730}" type="datetimeFigureOut">
               <a:rPr lang="zh-CN" altLang="en-US" smtClean="0"/>
+              <a:t>2021/10/29</a:t>
             </a:fld>
             <a:endParaRPr lang="zh-CN" altLang="en-US"/>
           </a:p>
@@ -1408,6 +1399,7 @@
           <a:p>
             <a:fld id="{0C913308-F349-4B6D-A68A-DD1791B4A57B}" type="slidenum">
               <a:rPr lang="zh-CN" altLang="en-US" smtClean="0"/>
+              <a:t>‹#›</a:t>
             </a:fld>
             <a:endParaRPr lang="zh-CN" altLang="en-US"/>
           </a:p>
@@ -1527,7 +1519,6 @@
               <a:rPr lang="zh-CN" altLang="en-US" smtClean="0"/>
               <a:t>单击此处编辑母版文本样式</a:t>
             </a:r>
-            <a:endParaRPr lang="zh-CN" altLang="en-US" smtClean="0"/>
           </a:p>
         </p:txBody>
       </p:sp>
@@ -1584,7 +1575,6 @@
               <a:rPr lang="zh-CN" altLang="en-US" smtClean="0"/>
               <a:t>单击此处编辑母版文本样式</a:t>
             </a:r>
-            <a:endParaRPr lang="zh-CN" altLang="en-US" smtClean="0"/>
           </a:p>
           <a:p>
             <a:pPr lvl="1"/>
@@ -1592,7 +1582,6 @@
               <a:rPr lang="zh-CN" altLang="en-US" smtClean="0"/>
               <a:t>第二级</a:t>
             </a:r>
-            <a:endParaRPr lang="zh-CN" altLang="en-US" smtClean="0"/>
           </a:p>
           <a:p>
             <a:pPr lvl="2"/>
@@ -1600,7 +1589,6 @@
               <a:rPr lang="zh-CN" altLang="en-US" smtClean="0"/>
               <a:t>第三级</a:t>
             </a:r>
-            <a:endParaRPr lang="zh-CN" altLang="en-US" smtClean="0"/>
           </a:p>
           <a:p>
             <a:pPr lvl="3"/>
@@ -1608,7 +1596,6 @@
               <a:rPr lang="zh-CN" altLang="en-US" smtClean="0"/>
               <a:t>第四级</a:t>
             </a:r>
-            <a:endParaRPr lang="zh-CN" altLang="en-US" smtClean="0"/>
           </a:p>
           <a:p>
             <a:pPr lvl="4"/>
@@ -1682,7 +1669,6 @@
               <a:rPr lang="zh-CN" altLang="en-US" smtClean="0"/>
               <a:t>单击此处编辑母版文本样式</a:t>
             </a:r>
-            <a:endParaRPr lang="zh-CN" altLang="en-US" smtClean="0"/>
           </a:p>
         </p:txBody>
       </p:sp>
@@ -1739,7 +1725,6 @@
               <a:rPr lang="zh-CN" altLang="en-US" smtClean="0"/>
               <a:t>单击此处编辑母版文本样式</a:t>
             </a:r>
-            <a:endParaRPr lang="zh-CN" altLang="en-US" smtClean="0"/>
           </a:p>
           <a:p>
             <a:pPr lvl="1"/>
@@ -1747,7 +1732,6 @@
               <a:rPr lang="zh-CN" altLang="en-US" smtClean="0"/>
               <a:t>第二级</a:t>
             </a:r>
-            <a:endParaRPr lang="zh-CN" altLang="en-US" smtClean="0"/>
           </a:p>
           <a:p>
             <a:pPr lvl="2"/>
@@ -1755,7 +1739,6 @@
               <a:rPr lang="zh-CN" altLang="en-US" smtClean="0"/>
               <a:t>第三级</a:t>
             </a:r>
-            <a:endParaRPr lang="zh-CN" altLang="en-US" smtClean="0"/>
           </a:p>
           <a:p>
             <a:pPr lvl="3"/>
@@ -1763,7 +1746,6 @@
               <a:rPr lang="zh-CN" altLang="en-US" smtClean="0"/>
               <a:t>第四级</a:t>
             </a:r>
-            <a:endParaRPr lang="zh-CN" altLang="en-US" smtClean="0"/>
           </a:p>
           <a:p>
             <a:pPr lvl="4"/>
@@ -1792,6 +1774,7 @@
           <a:p>
             <a:fld id="{530820CF-B880-4189-942D-D702A7CBA730}" type="datetimeFigureOut">
               <a:rPr lang="zh-CN" altLang="en-US" smtClean="0"/>
+              <a:t>2021/10/29</a:t>
             </a:fld>
             <a:endParaRPr lang="zh-CN" altLang="en-US"/>
           </a:p>
@@ -1833,6 +1816,7 @@
           <a:p>
             <a:fld id="{0C913308-F349-4B6D-A68A-DD1791B4A57B}" type="slidenum">
               <a:rPr lang="zh-CN" altLang="en-US" smtClean="0"/>
+              <a:t>‹#›</a:t>
             </a:fld>
             <a:endParaRPr lang="zh-CN" altLang="en-US"/>
           </a:p>
@@ -1903,6 +1887,7 @@
           <a:p>
             <a:fld id="{530820CF-B880-4189-942D-D702A7CBA730}" type="datetimeFigureOut">
               <a:rPr lang="zh-CN" altLang="en-US" smtClean="0"/>
+              <a:t>2021/10/29</a:t>
             </a:fld>
             <a:endParaRPr lang="zh-CN" altLang="en-US"/>
           </a:p>
@@ -1944,6 +1929,7 @@
           <a:p>
             <a:fld id="{0C913308-F349-4B6D-A68A-DD1791B4A57B}" type="slidenum">
               <a:rPr lang="zh-CN" altLang="en-US" smtClean="0"/>
+              <a:t>‹#›</a:t>
             </a:fld>
             <a:endParaRPr lang="zh-CN" altLang="en-US"/>
           </a:p>
@@ -1991,6 +1977,7 @@
           <a:p>
             <a:fld id="{530820CF-B880-4189-942D-D702A7CBA730}" type="datetimeFigureOut">
               <a:rPr lang="zh-CN" altLang="en-US" smtClean="0"/>
+              <a:t>2021/10/29</a:t>
             </a:fld>
             <a:endParaRPr lang="zh-CN" altLang="en-US"/>
           </a:p>
@@ -2032,6 +2019,7 @@
           <a:p>
             <a:fld id="{0C913308-F349-4B6D-A68A-DD1791B4A57B}" type="slidenum">
               <a:rPr lang="zh-CN" altLang="en-US" smtClean="0"/>
+              <a:t>‹#›</a:t>
             </a:fld>
             <a:endParaRPr lang="zh-CN" altLang="en-US"/>
           </a:p>
@@ -2147,7 +2135,6 @@
               <a:rPr lang="zh-CN" altLang="en-US" smtClean="0"/>
               <a:t>单击此处编辑母版文本样式</a:t>
             </a:r>
-            <a:endParaRPr lang="zh-CN" altLang="en-US" smtClean="0"/>
           </a:p>
           <a:p>
             <a:pPr lvl="1"/>
@@ -2155,7 +2142,6 @@
               <a:rPr lang="zh-CN" altLang="en-US" smtClean="0"/>
               <a:t>第二级</a:t>
             </a:r>
-            <a:endParaRPr lang="zh-CN" altLang="en-US" smtClean="0"/>
           </a:p>
           <a:p>
             <a:pPr lvl="2"/>
@@ -2163,7 +2149,6 @@
               <a:rPr lang="zh-CN" altLang="en-US" smtClean="0"/>
               <a:t>第三级</a:t>
             </a:r>
-            <a:endParaRPr lang="zh-CN" altLang="en-US" smtClean="0"/>
           </a:p>
           <a:p>
             <a:pPr lvl="3"/>
@@ -2171,7 +2156,6 @@
               <a:rPr lang="zh-CN" altLang="en-US" smtClean="0"/>
               <a:t>第四级</a:t>
             </a:r>
-            <a:endParaRPr lang="zh-CN" altLang="en-US" smtClean="0"/>
           </a:p>
           <a:p>
             <a:pPr lvl="4"/>
@@ -2245,7 +2229,6 @@
               <a:rPr lang="zh-CN" altLang="en-US" smtClean="0"/>
               <a:t>单击此处编辑母版文本样式</a:t>
             </a:r>
-            <a:endParaRPr lang="zh-CN" altLang="en-US" smtClean="0"/>
           </a:p>
         </p:txBody>
       </p:sp>
@@ -2266,6 +2249,7 @@
           <a:p>
             <a:fld id="{530820CF-B880-4189-942D-D702A7CBA730}" type="datetimeFigureOut">
               <a:rPr lang="zh-CN" altLang="en-US" smtClean="0"/>
+              <a:t>2021/10/29</a:t>
             </a:fld>
             <a:endParaRPr lang="zh-CN" altLang="en-US"/>
           </a:p>
@@ -2307,6 +2291,7 @@
           <a:p>
             <a:fld id="{0C913308-F349-4B6D-A68A-DD1791B4A57B}" type="slidenum">
               <a:rPr lang="zh-CN" altLang="en-US" smtClean="0"/>
+              <a:t>‹#›</a:t>
             </a:fld>
             <a:endParaRPr lang="zh-CN" altLang="en-US"/>
           </a:p>
@@ -2492,7 +2477,6 @@
               <a:rPr lang="zh-CN" altLang="en-US" smtClean="0"/>
               <a:t>单击此处编辑母版文本样式</a:t>
             </a:r>
-            <a:endParaRPr lang="zh-CN" altLang="en-US" smtClean="0"/>
           </a:p>
         </p:txBody>
       </p:sp>
@@ -2513,6 +2497,7 @@
           <a:p>
             <a:fld id="{530820CF-B880-4189-942D-D702A7CBA730}" type="datetimeFigureOut">
               <a:rPr lang="zh-CN" altLang="en-US" smtClean="0"/>
+              <a:t>2021/10/29</a:t>
             </a:fld>
             <a:endParaRPr lang="zh-CN" altLang="en-US"/>
           </a:p>
@@ -2554,6 +2539,7 @@
           <a:p>
             <a:fld id="{0C913308-F349-4B6D-A68A-DD1791B4A57B}" type="slidenum">
               <a:rPr lang="zh-CN" altLang="en-US" smtClean="0"/>
+              <a:t>‹#›</a:t>
             </a:fld>
             <a:endParaRPr lang="zh-CN" altLang="en-US"/>
           </a:p>
@@ -2652,7 +2638,6 @@
               <a:rPr lang="zh-CN" altLang="en-US" smtClean="0"/>
               <a:t>单击此处编辑母版文本样式</a:t>
             </a:r>
-            <a:endParaRPr lang="zh-CN" altLang="en-US" smtClean="0"/>
           </a:p>
           <a:p>
             <a:pPr lvl="1"/>
@@ -2660,7 +2645,6 @@
               <a:rPr lang="zh-CN" altLang="en-US" smtClean="0"/>
               <a:t>第二级</a:t>
             </a:r>
-            <a:endParaRPr lang="zh-CN" altLang="en-US" smtClean="0"/>
           </a:p>
           <a:p>
             <a:pPr lvl="2"/>
@@ -2668,7 +2652,6 @@
               <a:rPr lang="zh-CN" altLang="en-US" smtClean="0"/>
               <a:t>第三级</a:t>
             </a:r>
-            <a:endParaRPr lang="zh-CN" altLang="en-US" smtClean="0"/>
           </a:p>
           <a:p>
             <a:pPr lvl="3"/>
@@ -2676,7 +2659,6 @@
               <a:rPr lang="zh-CN" altLang="en-US" smtClean="0"/>
               <a:t>第四级</a:t>
             </a:r>
-            <a:endParaRPr lang="zh-CN" altLang="en-US" smtClean="0"/>
           </a:p>
           <a:p>
             <a:pPr lvl="4"/>
@@ -2723,6 +2705,7 @@
           <a:p>
             <a:fld id="{530820CF-B880-4189-942D-D702A7CBA730}" type="datetimeFigureOut">
               <a:rPr lang="zh-CN" altLang="en-US" smtClean="0"/>
+              <a:t>2021/10/29</a:t>
             </a:fld>
             <a:endParaRPr lang="zh-CN" altLang="en-US"/>
           </a:p>
@@ -2800,6 +2783,7 @@
           <a:p>
             <a:fld id="{0C913308-F349-4B6D-A68A-DD1791B4A57B}" type="slidenum">
               <a:rPr lang="zh-CN" altLang="en-US" smtClean="0"/>
+              <a:t>‹#›</a:t>
             </a:fld>
             <a:endParaRPr lang="zh-CN" altLang="en-US"/>
           </a:p>
@@ -3287,7 +3271,6 @@
               <a:rPr lang="en-US" altLang="zh-CN" dirty="0" smtClean="0"/>
               <a:t>?</a:t>
             </a:r>
-            <a:endParaRPr lang="en-US" altLang="zh-CN" dirty="0" smtClean="0"/>
           </a:p>
           <a:p>
             <a:pPr marL="0" indent="0">
@@ -3297,7 +3280,6 @@
               <a:rPr lang="en-US" altLang="zh-CN" dirty="0" smtClean="0"/>
               <a:t>Mark Twain</a:t>
             </a:r>
-            <a:endParaRPr lang="en-US" altLang="zh-CN" dirty="0" smtClean="0"/>
           </a:p>
           <a:p>
             <a:pPr marL="0" indent="0">
@@ -3455,7 +3437,6 @@
               <a:rPr lang="en-US" altLang="zh-CN" dirty="0" smtClean="0"/>
               <a:t>?</a:t>
             </a:r>
-            <a:endParaRPr lang="en-US" altLang="zh-CN" dirty="0" smtClean="0"/>
           </a:p>
           <a:p>
             <a:pPr marL="0" indent="0">
@@ -3617,7 +3598,6 @@
               <a:rPr lang="en-US" altLang="zh-CN" dirty="0" smtClean="0"/>
               <a:t>?</a:t>
             </a:r>
-            <a:endParaRPr lang="en-US" altLang="zh-CN" dirty="0" smtClean="0"/>
           </a:p>
           <a:p>
             <a:pPr marL="0" indent="0">
@@ -3675,7 +3655,6 @@
               <a:rPr lang="zh-CN" altLang="en-US" dirty="0"/>
               <a:t>翻译</a:t>
             </a:r>
-            <a:endParaRPr lang="zh-CN" altLang="en-US" dirty="0"/>
           </a:p>
         </p:txBody>
       </p:sp>
@@ -3753,7 +3732,6 @@
               <a:rPr lang="zh-CN" altLang="en-US" dirty="0"/>
               <a:t>翻译</a:t>
             </a:r>
-            <a:endParaRPr lang="zh-CN" altLang="en-US" dirty="0"/>
           </a:p>
         </p:txBody>
       </p:sp>
@@ -3783,7 +3761,6 @@
               <a:rPr lang="en-US" altLang="zh-CN" dirty="0" smtClean="0"/>
               <a:t>pains, no gains.</a:t>
             </a:r>
-            <a:endParaRPr lang="en-US" altLang="zh-CN" dirty="0" smtClean="0"/>
           </a:p>
           <a:p>
             <a:pPr marL="0" indent="0">
@@ -3793,7 +3770,6 @@
               <a:rPr lang="zh-CN" altLang="zh-CN" dirty="0"/>
               <a:t>不劳无获</a:t>
             </a:r>
-            <a:endParaRPr lang="zh-CN" altLang="zh-CN" dirty="0"/>
           </a:p>
         </p:txBody>
       </p:sp>
@@ -3841,7 +3817,6 @@
               <a:rPr lang="zh-CN" altLang="en-US" dirty="0"/>
               <a:t>翻译</a:t>
             </a:r>
-            <a:endParaRPr lang="zh-CN" altLang="en-US" dirty="0"/>
           </a:p>
         </p:txBody>
       </p:sp>
@@ -3915,7 +3890,6 @@
               <a:rPr lang="zh-CN" altLang="en-US" dirty="0"/>
               <a:t>翻译</a:t>
             </a:r>
-            <a:endParaRPr lang="zh-CN" altLang="en-US" dirty="0"/>
           </a:p>
         </p:txBody>
       </p:sp>
@@ -3945,7 +3919,6 @@
               <a:rPr lang="en-US" altLang="zh-CN" dirty="0" smtClean="0"/>
               <a:t>.</a:t>
             </a:r>
-            <a:endParaRPr lang="en-US" altLang="zh-CN" dirty="0" smtClean="0"/>
           </a:p>
           <a:p>
             <a:pPr marL="0" indent="0">
@@ -3955,7 +3928,6 @@
               <a:rPr lang="zh-CN" altLang="zh-CN" dirty="0"/>
               <a:t>患难见真情</a:t>
             </a:r>
-            <a:endParaRPr lang="zh-CN" altLang="zh-CN" dirty="0"/>
           </a:p>
         </p:txBody>
       </p:sp>
@@ -4077,7 +4049,6 @@
               <a:rPr lang="zh-CN" altLang="en-US" dirty="0"/>
               <a:t>翻译</a:t>
             </a:r>
-            <a:endParaRPr lang="zh-CN" altLang="en-US" dirty="0"/>
           </a:p>
         </p:txBody>
       </p:sp>
@@ -4159,7 +4130,6 @@
               <a:rPr lang="zh-CN" altLang="en-US" dirty="0"/>
               <a:t>翻译</a:t>
             </a:r>
-            <a:endParaRPr lang="zh-CN" altLang="en-US" dirty="0"/>
           </a:p>
         </p:txBody>
       </p:sp>
@@ -4197,7 +4167,6 @@
               <a:rPr lang="en-US" altLang="zh-CN" dirty="0" smtClean="0"/>
               <a:t>dog</a:t>
             </a:r>
-            <a:endParaRPr lang="en-US" altLang="zh-CN" dirty="0" smtClean="0"/>
           </a:p>
           <a:p>
             <a:pPr marL="0" indent="0">
@@ -4207,7 +4176,6 @@
               <a:rPr lang="zh-CN" altLang="zh-CN" dirty="0"/>
               <a:t>爱屋及乌</a:t>
             </a:r>
-            <a:endParaRPr lang="zh-CN" altLang="zh-CN" dirty="0"/>
           </a:p>
         </p:txBody>
       </p:sp>
@@ -4255,7 +4223,6 @@
               <a:rPr lang="zh-CN" altLang="en-US" dirty="0"/>
               <a:t>常识</a:t>
             </a:r>
-            <a:endParaRPr lang="zh-CN" altLang="en-US" dirty="0"/>
           </a:p>
         </p:txBody>
       </p:sp>
@@ -4285,7 +4252,6 @@
               <a:rPr lang="zh-CN" altLang="en-US" dirty="0"/>
               <a:t>是什么？</a:t>
             </a:r>
-            <a:endParaRPr lang="zh-CN" altLang="en-US" dirty="0"/>
           </a:p>
         </p:txBody>
       </p:sp>
@@ -4333,7 +4299,6 @@
               <a:rPr lang="zh-CN" altLang="en-US" dirty="0"/>
               <a:t>常识</a:t>
             </a:r>
-            <a:endParaRPr lang="zh-CN" altLang="en-US" dirty="0"/>
           </a:p>
         </p:txBody>
       </p:sp>
@@ -4363,7 +4328,6 @@
               <a:rPr lang="zh-CN" altLang="en-US" dirty="0"/>
               <a:t>是什么？</a:t>
             </a:r>
-            <a:endParaRPr lang="zh-CN" altLang="en-US" dirty="0"/>
           </a:p>
           <a:p>
             <a:pPr marL="0" indent="0">
@@ -4373,7 +4337,6 @@
               <a:rPr lang="en-US" altLang="zh-CN" dirty="0"/>
               <a:t>People's Republic of China</a:t>
             </a:r>
-            <a:endParaRPr lang="en-US" altLang="zh-CN" dirty="0"/>
           </a:p>
         </p:txBody>
       </p:sp>
@@ -4421,7 +4384,6 @@
               <a:rPr lang="zh-CN" altLang="en-US" dirty="0"/>
               <a:t>常识</a:t>
             </a:r>
-            <a:endParaRPr lang="zh-CN" altLang="en-US" dirty="0"/>
           </a:p>
         </p:txBody>
       </p:sp>
@@ -4451,7 +4413,6 @@
               <a:rPr lang="zh-CN" altLang="en-US" dirty="0"/>
               <a:t>的全称（英文！）</a:t>
             </a:r>
-            <a:endParaRPr lang="zh-CN" altLang="en-US" dirty="0"/>
           </a:p>
         </p:txBody>
       </p:sp>
@@ -4499,7 +4460,6 @@
               <a:rPr lang="zh-CN" altLang="en-US" dirty="0"/>
               <a:t>常识</a:t>
             </a:r>
-            <a:endParaRPr lang="zh-CN" altLang="en-US" dirty="0"/>
           </a:p>
         </p:txBody>
       </p:sp>
@@ -4529,7 +4489,6 @@
               <a:rPr lang="zh-CN" altLang="en-US" dirty="0"/>
               <a:t>的全称（英文！）</a:t>
             </a:r>
-            <a:endParaRPr lang="zh-CN" altLang="en-US" dirty="0"/>
           </a:p>
           <a:p>
             <a:pPr marL="0" indent="0">
@@ -4539,7 +4498,6 @@
               <a:rPr lang="zh-CN" altLang="en-US" dirty="0"/>
               <a:t>Federal Bureau of Investigation</a:t>
             </a:r>
-            <a:endParaRPr lang="zh-CN" altLang="en-US" dirty="0"/>
           </a:p>
         </p:txBody>
       </p:sp>
@@ -4587,7 +4545,6 @@
               <a:rPr lang="zh-CN" altLang="en-US" dirty="0"/>
               <a:t>常识</a:t>
             </a:r>
-            <a:endParaRPr lang="zh-CN" altLang="en-US" dirty="0"/>
           </a:p>
         </p:txBody>
       </p:sp>
@@ -4617,7 +4574,6 @@
               <a:rPr lang="zh-CN" altLang="en-US" dirty="0"/>
               <a:t>的全称（英文）</a:t>
             </a:r>
-            <a:endParaRPr lang="zh-CN" altLang="en-US" dirty="0"/>
           </a:p>
         </p:txBody>
       </p:sp>
@@ -4665,7 +4621,6 @@
               <a:rPr lang="zh-CN" altLang="en-US" dirty="0"/>
               <a:t>常识</a:t>
             </a:r>
-            <a:endParaRPr lang="zh-CN" altLang="en-US" dirty="0"/>
           </a:p>
         </p:txBody>
       </p:sp>
@@ -4695,7 +4650,6 @@
               <a:rPr lang="zh-CN" altLang="en-US" dirty="0"/>
               <a:t>的全称（英文）</a:t>
             </a:r>
-            <a:endParaRPr lang="zh-CN" altLang="en-US" dirty="0"/>
           </a:p>
           <a:p>
             <a:pPr marL="0" indent="0">
@@ -4763,7 +4717,6 @@
               <a:rPr lang="zh-CN" altLang="en-US" dirty="0"/>
               <a:t>常识</a:t>
             </a:r>
-            <a:endParaRPr lang="zh-CN" altLang="en-US" dirty="0"/>
           </a:p>
         </p:txBody>
       </p:sp>
@@ -4841,7 +4794,6 @@
               <a:rPr lang="zh-CN" altLang="en-US" dirty="0"/>
               <a:t>常识</a:t>
             </a:r>
-            <a:endParaRPr lang="zh-CN" altLang="en-US" dirty="0"/>
           </a:p>
         </p:txBody>
       </p:sp>
@@ -4871,7 +4823,6 @@
               <a:rPr lang="zh-CN" altLang="en-US" dirty="0"/>
               <a:t>的全称</a:t>
             </a:r>
-            <a:endParaRPr lang="zh-CN" altLang="en-US" dirty="0"/>
           </a:p>
           <a:p>
             <a:pPr marL="0" indent="0">
@@ -4881,7 +4832,6 @@
               <a:rPr lang="en-US" altLang="zh-CN" dirty="0"/>
               <a:t>Hard Black</a:t>
             </a:r>
-            <a:endParaRPr lang="en-US" altLang="zh-CN" dirty="0"/>
           </a:p>
         </p:txBody>
       </p:sp>
@@ -4959,7 +4909,6 @@
               <a:rPr lang="en-US" altLang="zh-CN" dirty="0" smtClean="0"/>
               <a:t>dog</a:t>
             </a:r>
-            <a:endParaRPr lang="en-US" altLang="zh-CN" dirty="0" smtClean="0"/>
           </a:p>
           <a:p>
             <a:pPr marL="0" indent="0">
@@ -5017,7 +4966,6 @@
               <a:rPr lang="zh-CN" altLang="en-US" dirty="0"/>
               <a:t>常识</a:t>
             </a:r>
-            <a:endParaRPr lang="zh-CN" altLang="en-US" dirty="0"/>
           </a:p>
         </p:txBody>
       </p:sp>
@@ -5045,19 +4993,12 @@
             </a:r>
             <a:r>
               <a:rPr lang="zh-CN" altLang="en-US" dirty="0"/>
-              <a:t>的全称</a:t>
-            </a:r>
-            <a:endParaRPr lang="zh-CN" altLang="en-US" dirty="0"/>
-          </a:p>
-          <a:p>
-            <a:pPr marL="0" indent="0">
-              <a:buNone/>
-            </a:pPr>
-            <a:r>
-              <a:rPr lang="en-US" altLang="zh-CN" dirty="0"/>
-              <a:t>China Central Television</a:t>
-            </a:r>
-            <a:endParaRPr lang="en-US" altLang="zh-CN" dirty="0"/>
+              <a:t>的</a:t>
+            </a:r>
+            <a:r>
+              <a:rPr lang="zh-CN" altLang="en-US" dirty="0" smtClean="0"/>
+              <a:t>全称</a:t>
+            </a:r>
           </a:p>
         </p:txBody>
       </p:sp>
@@ -5105,7 +5046,6 @@
               <a:rPr lang="zh-CN" altLang="en-US" dirty="0"/>
               <a:t>常识</a:t>
             </a:r>
-            <a:endParaRPr lang="zh-CN" altLang="en-US" dirty="0"/>
           </a:p>
         </p:txBody>
       </p:sp>
@@ -5129,13 +5069,12 @@
             </a:pPr>
             <a:r>
               <a:rPr lang="en-US" altLang="zh-CN" dirty="0"/>
-              <a:t>ET</a:t>
+              <a:t>CCTV</a:t>
             </a:r>
             <a:r>
               <a:rPr lang="zh-CN" altLang="en-US" dirty="0"/>
               <a:t>的全称</a:t>
             </a:r>
-            <a:endParaRPr lang="zh-CN" altLang="en-US" dirty="0"/>
           </a:p>
           <a:p>
             <a:pPr marL="0" indent="0">
@@ -5143,33 +5082,17 @@
             </a:pPr>
             <a:r>
               <a:rPr lang="en-US" altLang="zh-CN" dirty="0"/>
-              <a:t>Extraterrestrial</a:t>
-            </a:r>
-            <a:endParaRPr lang="en-US" altLang="zh-CN" dirty="0"/>
-          </a:p>
-          <a:p>
-            <a:pPr marL="0" indent="0">
-              <a:buNone/>
-            </a:pPr>
-            <a:r>
-              <a:rPr lang="en-US" altLang="zh-CN" dirty="0"/>
-              <a:t>Educational Technology</a:t>
-            </a:r>
-            <a:endParaRPr lang="en-US" altLang="zh-CN" dirty="0"/>
-          </a:p>
-          <a:p>
-            <a:pPr marL="0" indent="0">
-              <a:buNone/>
-            </a:pPr>
-            <a:r>
-              <a:rPr lang="en-US" altLang="zh-CN" dirty="0"/>
-              <a:t>Ease Template</a:t>
-            </a:r>
-            <a:endParaRPr lang="en-US" altLang="zh-CN" dirty="0"/>
+              <a:t>China Central Television</a:t>
+            </a:r>
           </a:p>
         </p:txBody>
       </p:sp>
     </p:spTree>
+    <p:extLst>
+      <p:ext uri="{BB962C8B-B14F-4D97-AF65-F5344CB8AC3E}">
+        <p14:creationId xmlns:p14="http://schemas.microsoft.com/office/powerpoint/2010/main" val="846302582"/>
+      </p:ext>
+    </p:extLst>
   </p:cSld>
   <p:clrMapOvr>
     <a:masterClrMapping/>
@@ -5210,64 +5133,42 @@
           <a:lstStyle/>
           <a:p>
             <a:r>
+              <a:rPr lang="zh-CN" altLang="en-US" dirty="0"/>
+              <a:t>常识</a:t>
+            </a:r>
+          </a:p>
+        </p:txBody>
+      </p:sp>
+      <p:sp>
+        <p:nvSpPr>
+          <p:cNvPr id="3" name="内容占位符 2"/>
+          <p:cNvSpPr>
+            <a:spLocks noGrp="1"/>
+          </p:cNvSpPr>
+          <p:nvPr>
+            <p:ph idx="1"/>
+          </p:nvPr>
+        </p:nvSpPr>
+        <p:spPr/>
+        <p:txBody>
+          <a:bodyPr/>
+          <a:lstStyle/>
+          <a:p>
+            <a:pPr marL="0" indent="0">
+              <a:buNone/>
+            </a:pPr>
+            <a:r>
+              <a:rPr lang="en-US" altLang="zh-CN" dirty="0"/>
+              <a:t>ET</a:t>
+            </a:r>
+            <a:r>
+              <a:rPr lang="zh-CN" altLang="en-US" dirty="0"/>
+              <a:t>的</a:t>
+            </a:r>
+            <a:r>
               <a:rPr lang="zh-CN" altLang="en-US" dirty="0" smtClean="0"/>
-              <a:t>脑筋急转弯</a:t>
-            </a:r>
-            <a:endParaRPr lang="zh-CN" altLang="en-US" dirty="0"/>
-          </a:p>
-        </p:txBody>
-      </p:sp>
-      <p:sp>
-        <p:nvSpPr>
-          <p:cNvPr id="3" name="内容占位符 2"/>
-          <p:cNvSpPr>
-            <a:spLocks noGrp="1"/>
-          </p:cNvSpPr>
-          <p:nvPr>
-            <p:ph idx="1"/>
-          </p:nvPr>
-        </p:nvSpPr>
-        <p:spPr/>
-        <p:txBody>
-          <a:bodyPr/>
-          <a:lstStyle/>
-          <a:p>
-            <a:pPr marL="0" indent="0">
-              <a:buNone/>
-            </a:pPr>
-            <a:r>
-              <a:rPr lang="en-US" altLang="zh-CN" dirty="0"/>
-              <a:t>If you find three sparrows(</a:t>
-            </a:r>
-            <a:r>
-              <a:rPr lang="zh-CN" altLang="zh-CN" dirty="0"/>
-              <a:t>麻雀）</a:t>
-            </a:r>
-            <a:r>
-              <a:rPr lang="en-US" altLang="zh-CN" dirty="0"/>
-              <a:t>on the roof and you shoot(</a:t>
-            </a:r>
-            <a:r>
-              <a:rPr lang="zh-CN" altLang="zh-CN" dirty="0"/>
-              <a:t>射击）</a:t>
-            </a:r>
-            <a:r>
-              <a:rPr lang="en-US" altLang="zh-CN" dirty="0" err="1"/>
-              <a:t>one,how</a:t>
-            </a:r>
-            <a:r>
-              <a:rPr lang="en-US" altLang="zh-CN" dirty="0"/>
-              <a:t> many are left(</a:t>
-            </a:r>
-            <a:r>
-              <a:rPr lang="zh-CN" altLang="zh-CN" dirty="0"/>
-              <a:t>剩下）</a:t>
-            </a:r>
-            <a:r>
-              <a:rPr lang="en-US" altLang="zh-CN" dirty="0"/>
-              <a:t>?</a:t>
-            </a:r>
-            <a:endParaRPr lang="zh-CN" altLang="zh-CN" dirty="0"/>
+              <a:t>全称</a:t>
+            </a:r>
           </a:p>
         </p:txBody>
       </p:sp>
@@ -5313,9 +5214,8 @@
           <a:p>
             <a:r>
               <a:rPr lang="zh-CN" altLang="en-US" dirty="0"/>
-              <a:t>脑筋急转弯</a:t>
-            </a:r>
-            <a:endParaRPr lang="zh-CN" altLang="en-US" dirty="0"/>
+              <a:t>常识</a:t>
+            </a:r>
           </a:p>
         </p:txBody>
       </p:sp>
@@ -5339,63 +5239,48 @@
             </a:pPr>
             <a:r>
               <a:rPr lang="en-US" altLang="zh-CN" dirty="0"/>
-              <a:t>If you find three sparrows(</a:t>
-            </a:r>
-            <a:r>
-              <a:rPr lang="zh-CN" altLang="zh-CN" dirty="0"/>
-              <a:t>麻雀）</a:t>
-            </a:r>
+              <a:t>ET</a:t>
+            </a:r>
+            <a:r>
+              <a:rPr lang="zh-CN" altLang="en-US" dirty="0"/>
+              <a:t>的全称</a:t>
+            </a:r>
+          </a:p>
+          <a:p>
+            <a:pPr marL="0" indent="0">
+              <a:buNone/>
+            </a:pPr>
             <a:r>
               <a:rPr lang="en-US" altLang="zh-CN" dirty="0"/>
-              <a:t>on the roof and you shoot(</a:t>
-            </a:r>
-            <a:r>
-              <a:rPr lang="zh-CN" altLang="zh-CN" dirty="0"/>
-              <a:t>射击）</a:t>
-            </a:r>
+              <a:t>Extraterrestrial</a:t>
+            </a:r>
+          </a:p>
+          <a:p>
+            <a:pPr marL="0" indent="0">
+              <a:buNone/>
+            </a:pPr>
             <a:r>
               <a:rPr lang="en-US" altLang="zh-CN" dirty="0"/>
-              <a:t>one</a:t>
-            </a:r>
-            <a:r>
-              <a:rPr lang="en-US" altLang="zh-CN" dirty="0" smtClean="0"/>
-              <a:t>, how </a:t>
-            </a:r>
+              <a:t>Educational Technology</a:t>
+            </a:r>
+          </a:p>
+          <a:p>
+            <a:pPr marL="0" indent="0">
+              <a:buNone/>
+            </a:pPr>
             <a:r>
               <a:rPr lang="en-US" altLang="zh-CN" dirty="0"/>
-              <a:t>many are left(</a:t>
-            </a:r>
-            <a:r>
-              <a:rPr lang="zh-CN" altLang="zh-CN" dirty="0"/>
-              <a:t>剩下）</a:t>
-            </a:r>
-            <a:r>
-              <a:rPr lang="en-US" altLang="zh-CN" dirty="0" smtClean="0"/>
-              <a:t>?</a:t>
-            </a:r>
-            <a:endParaRPr lang="en-US" altLang="zh-CN" dirty="0" smtClean="0"/>
-          </a:p>
-          <a:p>
-            <a:pPr marL="0" indent="0">
-              <a:buNone/>
-            </a:pPr>
-            <a:r>
-              <a:rPr lang="en-US" altLang="zh-CN" dirty="0"/>
-              <a:t>None</a:t>
-            </a:r>
-            <a:r>
-              <a:rPr lang="en-US" altLang="zh-CN" dirty="0" smtClean="0"/>
-              <a:t>. The </a:t>
-            </a:r>
-            <a:r>
-              <a:rPr lang="en-US" altLang="zh-CN" dirty="0"/>
-              <a:t>others fly away.</a:t>
-            </a:r>
-            <a:endParaRPr lang="zh-CN" altLang="zh-CN" dirty="0"/>
+              <a:t>Ease Template</a:t>
+            </a:r>
           </a:p>
         </p:txBody>
       </p:sp>
     </p:spTree>
+    <p:extLst>
+      <p:ext uri="{BB962C8B-B14F-4D97-AF65-F5344CB8AC3E}">
+        <p14:creationId xmlns:p14="http://schemas.microsoft.com/office/powerpoint/2010/main" val="2327451130"/>
+      </p:ext>
+    </p:extLst>
   </p:cSld>
   <p:clrMapOvr>
     <a:masterClrMapping/>
@@ -5436,7 +5321,7 @@
           <a:lstStyle/>
           <a:p>
             <a:r>
-              <a:rPr lang="zh-CN" altLang="en-US" dirty="0"/>
+              <a:rPr lang="zh-CN" altLang="en-US" dirty="0" smtClean="0"/>
               <a:t>脑筋急转弯</a:t>
             </a:r>
             <a:endParaRPr lang="zh-CN" altLang="en-US" dirty="0"/>
@@ -5478,42 +5363,20 @@
               <a:t>射击）</a:t>
             </a:r>
             <a:r>
+              <a:rPr lang="en-US" altLang="zh-CN" dirty="0" err="1"/>
+              <a:t>one,how</a:t>
+            </a:r>
+            <a:r>
               <a:rPr lang="en-US" altLang="zh-CN" dirty="0"/>
-              <a:t>one</a:t>
-            </a:r>
-            <a:r>
-              <a:rPr lang="en-US" altLang="zh-CN" dirty="0" smtClean="0"/>
-              <a:t>, how </a:t>
-            </a:r>
-            <a:r>
-              <a:rPr lang="en-US" altLang="zh-CN" dirty="0"/>
-              <a:t>many are left(</a:t>
+              <a:t> many are left(</a:t>
             </a:r>
             <a:r>
               <a:rPr lang="zh-CN" altLang="zh-CN" dirty="0"/>
               <a:t>剩下）</a:t>
             </a:r>
             <a:r>
-              <a:rPr lang="en-US" altLang="zh-CN" dirty="0" smtClean="0"/>
+              <a:rPr lang="en-US" altLang="zh-CN" dirty="0"/>
               <a:t>?</a:t>
-            </a:r>
-            <a:endParaRPr lang="en-US" altLang="zh-CN" dirty="0" smtClean="0"/>
-          </a:p>
-          <a:p>
-            <a:pPr marL="0" indent="0">
-              <a:buNone/>
-            </a:pPr>
-            <a:r>
-              <a:rPr lang="en-US" altLang="zh-CN" dirty="0"/>
-              <a:t>None</a:t>
-            </a:r>
-            <a:r>
-              <a:rPr lang="en-US" altLang="zh-CN" dirty="0" smtClean="0"/>
-              <a:t>. The </a:t>
-            </a:r>
-            <a:r>
-              <a:rPr lang="en-US" altLang="zh-CN" dirty="0"/>
-              <a:t>others fly away.</a:t>
             </a:r>
             <a:endParaRPr lang="zh-CN" altLang="zh-CN" dirty="0"/>
           </a:p>
@@ -5563,7 +5426,6 @@
               <a:rPr lang="zh-CN" altLang="en-US" dirty="0"/>
               <a:t>脑筋急转弯</a:t>
             </a:r>
-            <a:endParaRPr lang="zh-CN" altLang="en-US" dirty="0"/>
           </a:p>
         </p:txBody>
       </p:sp>
@@ -5587,7 +5449,56 @@
             </a:pPr>
             <a:r>
               <a:rPr lang="en-US" altLang="zh-CN" dirty="0"/>
-              <a:t>What kind of dog doesn't bite or bark?</a:t>
+              <a:t>If you find three sparrows(</a:t>
+            </a:r>
+            <a:r>
+              <a:rPr lang="zh-CN" altLang="zh-CN" dirty="0"/>
+              <a:t>麻雀）</a:t>
+            </a:r>
+            <a:r>
+              <a:rPr lang="en-US" altLang="zh-CN" dirty="0"/>
+              <a:t>on the roof and you shoot(</a:t>
+            </a:r>
+            <a:r>
+              <a:rPr lang="zh-CN" altLang="zh-CN" dirty="0"/>
+              <a:t>射击）</a:t>
+            </a:r>
+            <a:r>
+              <a:rPr lang="en-US" altLang="zh-CN" dirty="0"/>
+              <a:t>one</a:t>
+            </a:r>
+            <a:r>
+              <a:rPr lang="en-US" altLang="zh-CN" dirty="0" smtClean="0"/>
+              <a:t>, how </a:t>
+            </a:r>
+            <a:r>
+              <a:rPr lang="en-US" altLang="zh-CN" dirty="0"/>
+              <a:t>many are left(</a:t>
+            </a:r>
+            <a:r>
+              <a:rPr lang="zh-CN" altLang="zh-CN" dirty="0"/>
+              <a:t>剩下）</a:t>
+            </a:r>
+            <a:r>
+              <a:rPr lang="en-US" altLang="zh-CN" dirty="0" smtClean="0"/>
+              <a:t>?</a:t>
+            </a:r>
+          </a:p>
+          <a:p>
+            <a:pPr marL="0" indent="0">
+              <a:buNone/>
+            </a:pPr>
+            <a:r>
+              <a:rPr lang="en-US" altLang="zh-CN" dirty="0"/>
+              <a:t>None</a:t>
+            </a:r>
+            <a:r>
+              <a:rPr lang="en-US" altLang="zh-CN" dirty="0" smtClean="0"/>
+              <a:t>. The </a:t>
+            </a:r>
+            <a:r>
+              <a:rPr lang="en-US" altLang="zh-CN" dirty="0"/>
+              <a:t>others fly away.</a:t>
             </a:r>
             <a:endParaRPr lang="zh-CN" altLang="zh-CN" dirty="0"/>
           </a:p>
@@ -5637,7 +5548,6 @@
               <a:rPr lang="zh-CN" altLang="en-US" dirty="0"/>
               <a:t>脑筋急转弯</a:t>
             </a:r>
-            <a:endParaRPr lang="zh-CN" altLang="en-US" dirty="0"/>
           </a:p>
         </p:txBody>
       </p:sp>
@@ -5661,29 +5571,7 @@
             </a:pPr>
             <a:r>
               <a:rPr lang="en-US" altLang="zh-CN" dirty="0"/>
-              <a:t>What kind of dog doesn't </a:t>
-            </a:r>
-            <a:r>
-              <a:rPr lang="en-US" altLang="zh-CN" dirty="0" smtClean="0"/>
-              <a:t>bite </a:t>
-            </a:r>
-            <a:r>
-              <a:rPr lang="en-US" altLang="zh-CN" dirty="0"/>
-              <a:t>or bark</a:t>
-            </a:r>
-            <a:r>
-              <a:rPr lang="en-US" altLang="zh-CN" dirty="0" smtClean="0"/>
-              <a:t>?</a:t>
-            </a:r>
-            <a:endParaRPr lang="en-US" altLang="zh-CN" dirty="0" smtClean="0"/>
-          </a:p>
-          <a:p>
-            <a:pPr marL="0" indent="0">
-              <a:buNone/>
-            </a:pPr>
-            <a:r>
-              <a:rPr lang="en-US" altLang="zh-CN" dirty="0"/>
-              <a:t>Hot dogs.</a:t>
+              <a:t>What kind of dog doesn't bite or bark?</a:t>
             </a:r>
             <a:endParaRPr lang="zh-CN" altLang="zh-CN" dirty="0"/>
           </a:p>
@@ -5733,7 +5621,6 @@
               <a:rPr lang="zh-CN" altLang="en-US" dirty="0"/>
               <a:t>脑筋急转弯</a:t>
             </a:r>
-            <a:endParaRPr lang="zh-CN" altLang="en-US" dirty="0"/>
           </a:p>
         </p:txBody>
       </p:sp>
@@ -5757,15 +5644,28 @@
             </a:pPr>
             <a:r>
               <a:rPr lang="en-US" altLang="zh-CN" dirty="0"/>
-              <a:t>What can't be used unless(</a:t>
-            </a:r>
-            <a:r>
-              <a:rPr lang="zh-CN" altLang="zh-CN" dirty="0"/>
-              <a:t>除非）</a:t>
+              <a:t>What kind of dog doesn't </a:t>
+            </a:r>
+            <a:r>
+              <a:rPr lang="en-US" altLang="zh-CN" dirty="0" smtClean="0"/>
+              <a:t>bite </a:t>
             </a:r>
             <a:r>
               <a:rPr lang="en-US" altLang="zh-CN" dirty="0"/>
-              <a:t>is broken?</a:t>
+              <a:t>or bark</a:t>
+            </a:r>
+            <a:r>
+              <a:rPr lang="en-US" altLang="zh-CN" dirty="0" smtClean="0"/>
+              <a:t>?</a:t>
+            </a:r>
+          </a:p>
+          <a:p>
+            <a:pPr marL="0" indent="0">
+              <a:buNone/>
+            </a:pPr>
+            <a:r>
+              <a:rPr lang="en-US" altLang="zh-CN" dirty="0"/>
+              <a:t>Hot dogs.</a:t>
             </a:r>
             <a:endParaRPr lang="zh-CN" altLang="zh-CN" dirty="0"/>
           </a:p>
@@ -5815,7 +5715,6 @@
               <a:rPr lang="zh-CN" altLang="en-US" dirty="0"/>
               <a:t>脑筋急转弯</a:t>
             </a:r>
-            <a:endParaRPr lang="zh-CN" altLang="en-US" dirty="0"/>
           </a:p>
         </p:txBody>
       </p:sp>
@@ -5847,21 +5746,7 @@
             </a:r>
             <a:r>
               <a:rPr lang="en-US" altLang="zh-CN" dirty="0"/>
-              <a:t>is broken</a:t>
-            </a:r>
-            <a:r>
-              <a:rPr lang="en-US" altLang="zh-CN" dirty="0" smtClean="0"/>
-              <a:t>?</a:t>
-            </a:r>
-            <a:endParaRPr lang="en-US" altLang="zh-CN" dirty="0" smtClean="0"/>
-          </a:p>
-          <a:p>
-            <a:pPr marL="0" indent="0">
-              <a:buNone/>
-            </a:pPr>
-            <a:r>
-              <a:rPr lang="en-US" altLang="zh-CN" dirty="0"/>
-              <a:t>Egg</a:t>
+              <a:t>is broken?</a:t>
             </a:r>
             <a:endParaRPr lang="zh-CN" altLang="zh-CN" dirty="0"/>
           </a:p>
@@ -5911,7 +5796,6 @@
               <a:rPr lang="zh-CN" altLang="en-US" dirty="0"/>
               <a:t>脑筋急转弯</a:t>
             </a:r>
-            <a:endParaRPr lang="zh-CN" altLang="en-US" dirty="0"/>
           </a:p>
         </p:txBody>
       </p:sp>
@@ -5935,15 +5819,28 @@
             </a:pPr>
             <a:r>
               <a:rPr lang="en-US" altLang="zh-CN" dirty="0"/>
-              <a:t>Who is closer to you</a:t>
+              <a:t>What can't be used unless(</a:t>
+            </a:r>
+            <a:r>
+              <a:rPr lang="zh-CN" altLang="zh-CN" dirty="0"/>
+              <a:t>除非）</a:t>
+            </a:r>
+            <a:r>
+              <a:rPr lang="en-US" altLang="zh-CN" dirty="0"/>
+              <a:t>is broken</a:t>
             </a:r>
             <a:r>
               <a:rPr lang="en-US" altLang="zh-CN" dirty="0" smtClean="0"/>
-              <a:t>, your </a:t>
-            </a:r>
+              <a:t>?</a:t>
+            </a:r>
+          </a:p>
+          <a:p>
+            <a:pPr marL="0" indent="0">
+              <a:buNone/>
+            </a:pPr>
             <a:r>
               <a:rPr lang="en-US" altLang="zh-CN" dirty="0"/>
-              <a:t>mom or your dad? </a:t>
+              <a:t>Egg</a:t>
             </a:r>
             <a:endParaRPr lang="zh-CN" altLang="zh-CN" dirty="0"/>
           </a:p>
@@ -6067,7 +5964,6 @@
               <a:rPr lang="zh-CN" altLang="en-US" dirty="0"/>
               <a:t>脑筋急转弯</a:t>
             </a:r>
-            <a:endParaRPr lang="zh-CN" altLang="en-US" dirty="0"/>
           </a:p>
         </p:txBody>
       </p:sp>
@@ -6099,13 +5995,93 @@
             </a:r>
             <a:r>
               <a:rPr lang="en-US" altLang="zh-CN" dirty="0"/>
+              <a:t>mom or your dad? </a:t>
+            </a:r>
+            <a:endParaRPr lang="zh-CN" altLang="zh-CN" dirty="0"/>
+          </a:p>
+        </p:txBody>
+      </p:sp>
+    </p:spTree>
+  </p:cSld>
+  <p:clrMapOvr>
+    <a:masterClrMapping/>
+  </p:clrMapOvr>
+</p:sld>
+</file>
+
+<file path=ppt/slides/slide41.xml><?xml version="1.0" encoding="utf-8"?>
+<p:sld xmlns:a="http://schemas.openxmlformats.org/drawingml/2006/main" xmlns:r="http://schemas.openxmlformats.org/officeDocument/2006/relationships" xmlns:p="http://schemas.openxmlformats.org/presentationml/2006/main">
+  <p:cSld>
+    <p:spTree>
+      <p:nvGrpSpPr>
+        <p:cNvPr id="1" name=""/>
+        <p:cNvGrpSpPr/>
+        <p:nvPr/>
+      </p:nvGrpSpPr>
+      <p:grpSpPr>
+        <a:xfrm>
+          <a:off x="0" y="0"/>
+          <a:ext cx="0" cy="0"/>
+          <a:chOff x="0" y="0"/>
+          <a:chExt cx="0" cy="0"/>
+        </a:xfrm>
+      </p:grpSpPr>
+      <p:sp>
+        <p:nvSpPr>
+          <p:cNvPr id="2" name="标题 1"/>
+          <p:cNvSpPr>
+            <a:spLocks noGrp="1"/>
+          </p:cNvSpPr>
+          <p:nvPr>
+            <p:ph type="title"/>
+          </p:nvPr>
+        </p:nvSpPr>
+        <p:spPr/>
+        <p:txBody>
+          <a:bodyPr/>
+          <a:lstStyle/>
+          <a:p>
+            <a:r>
+              <a:rPr lang="zh-CN" altLang="en-US" dirty="0"/>
+              <a:t>脑筋急转弯</a:t>
+            </a:r>
+          </a:p>
+        </p:txBody>
+      </p:sp>
+      <p:sp>
+        <p:nvSpPr>
+          <p:cNvPr id="3" name="内容占位符 2"/>
+          <p:cNvSpPr>
+            <a:spLocks noGrp="1"/>
+          </p:cNvSpPr>
+          <p:nvPr>
+            <p:ph idx="1"/>
+          </p:nvPr>
+        </p:nvSpPr>
+        <p:spPr/>
+        <p:txBody>
+          <a:bodyPr/>
+          <a:lstStyle/>
+          <a:p>
+            <a:pPr marL="0" indent="0">
+              <a:buNone/>
+            </a:pPr>
+            <a:r>
+              <a:rPr lang="en-US" altLang="zh-CN" dirty="0"/>
+              <a:t>Who is closer to you</a:t>
+            </a:r>
+            <a:r>
+              <a:rPr lang="en-US" altLang="zh-CN" dirty="0" smtClean="0"/>
+              <a:t>, your </a:t>
+            </a:r>
+            <a:r>
+              <a:rPr lang="en-US" altLang="zh-CN" dirty="0"/>
               <a:t>mom or your dad</a:t>
             </a:r>
             <a:r>
               <a:rPr lang="en-US" altLang="zh-CN" dirty="0" smtClean="0"/>
               <a:t>?</a:t>
             </a:r>
-            <a:endParaRPr lang="en-US" altLang="zh-CN" dirty="0" smtClean="0"/>
           </a:p>
           <a:p>
             <a:pPr marL="0" indent="0">
@@ -6301,7 +6277,6 @@
               <a:rPr lang="zh-CN" altLang="zh-CN" dirty="0"/>
               <a:t>诺基亚是哪个国家的著名品牌？</a:t>
             </a:r>
-            <a:endParaRPr lang="zh-CN" altLang="zh-CN" dirty="0"/>
           </a:p>
         </p:txBody>
       </p:sp>
@@ -6467,7 +6442,6 @@
               <a:rPr lang="zh-CN" altLang="zh-CN" dirty="0"/>
               <a:t>湖人队位于美国的哪个城市？</a:t>
             </a:r>
-            <a:endParaRPr lang="zh-CN" altLang="zh-CN" dirty="0"/>
           </a:p>
         </p:txBody>
       </p:sp>
@@ -6853,9 +6827,11 @@
       </a:bgFillStyleLst>
     </a:fmtScheme>
   </a:themeElements>
+  <a:objectDefaults/>
+  <a:extraClrSchemeLst/>
   <a:extLst>
     <a:ext uri="{05A4C25C-085E-4340-85A3-A5531E510DB2}">
-      <thm15:themeFamily xmlns:thm15="http://schemas.microsoft.com/office/thememl/2012/main" name="Office Theme" id="{62F939B6-93AF-4DB8-9C6B-D6C7DFDC589F}" vid="{4A3C46E8-61CC-4603-A589-7422A47A8E4A}"/>
+      <thm15:themeFamily xmlns:thm15="http://schemas.microsoft.com/office/thememl/2012/main" xmlns="" name="Office Theme" id="{62F939B6-93AF-4DB8-9C6B-D6C7DFDC589F}" vid="{4A3C46E8-61CC-4603-A589-7422A47A8E4A}"/>
     </a:ext>
   </a:extLst>
 </a:theme>
